--- a/tex/proposal/slides/project_proposal.pptx
+++ b/tex/proposal/slides/project_proposal.pptx
@@ -214,7 +214,7 @@
           <a:p>
             <a:fld id="{41E3AD09-9720-9047-BB14-484CD98DBB2F}" type="datetimeFigureOut">
               <a:rPr lang="en-US" smtClean="0"/>
-              <a:t>9/11/2019</a:t>
+              <a:t>9/11/19</a:t>
             </a:fld>
             <a:endParaRPr lang="en-US"/>
           </a:p>
@@ -479,6 +479,90 @@
     </a:lvl9pPr>
   </p:notesStyle>
 </p:notesMaster>
+</file>
+
+<file path=ppt/notesSlides/notesSlide1.xml><?xml version="1.0" encoding="utf-8"?>
+<p:notes xmlns:a="http://schemas.openxmlformats.org/drawingml/2006/main" xmlns:r="http://schemas.openxmlformats.org/officeDocument/2006/relationships" xmlns:p="http://schemas.openxmlformats.org/presentationml/2006/main">
+  <p:cSld>
+    <p:spTree>
+      <p:nvGrpSpPr>
+        <p:cNvPr id="1" name=""/>
+        <p:cNvGrpSpPr/>
+        <p:nvPr/>
+      </p:nvGrpSpPr>
+      <p:grpSpPr>
+        <a:xfrm>
+          <a:off x="0" y="0"/>
+          <a:ext cx="0" cy="0"/>
+          <a:chOff x="0" y="0"/>
+          <a:chExt cx="0" cy="0"/>
+        </a:xfrm>
+      </p:grpSpPr>
+      <p:sp>
+        <p:nvSpPr>
+          <p:cNvPr id="2" name="Slide Image Placeholder 1"/>
+          <p:cNvSpPr>
+            <a:spLocks noGrp="1" noRot="1" noChangeAspect="1"/>
+          </p:cNvSpPr>
+          <p:nvPr>
+            <p:ph type="sldImg"/>
+          </p:nvPr>
+        </p:nvSpPr>
+        <p:spPr/>
+      </p:sp>
+      <p:sp>
+        <p:nvSpPr>
+          <p:cNvPr id="3" name="Notes Placeholder 2"/>
+          <p:cNvSpPr>
+            <a:spLocks noGrp="1"/>
+          </p:cNvSpPr>
+          <p:nvPr>
+            <p:ph type="body" idx="1"/>
+          </p:nvPr>
+        </p:nvSpPr>
+        <p:spPr/>
+        <p:txBody>
+          <a:bodyPr/>
+          <a:lstStyle/>
+          <a:p>
+            <a:endParaRPr lang="en-US" dirty="0"/>
+          </a:p>
+        </p:txBody>
+      </p:sp>
+      <p:sp>
+        <p:nvSpPr>
+          <p:cNvPr id="4" name="Slide Number Placeholder 3"/>
+          <p:cNvSpPr>
+            <a:spLocks noGrp="1"/>
+          </p:cNvSpPr>
+          <p:nvPr>
+            <p:ph type="sldNum" sz="quarter" idx="5"/>
+          </p:nvPr>
+        </p:nvSpPr>
+        <p:spPr/>
+        <p:txBody>
+          <a:bodyPr/>
+          <a:lstStyle/>
+          <a:p>
+            <a:fld id="{A8380D64-6F43-4C4D-BE6A-3F3482AA5165}" type="slidenum">
+              <a:rPr lang="en-US" smtClean="0"/>
+              <a:t>4</a:t>
+            </a:fld>
+            <a:endParaRPr lang="en-US"/>
+          </a:p>
+        </p:txBody>
+      </p:sp>
+    </p:spTree>
+    <p:extLst>
+      <p:ext uri="{BB962C8B-B14F-4D97-AF65-F5344CB8AC3E}">
+        <p14:creationId xmlns:p14="http://schemas.microsoft.com/office/powerpoint/2010/main" val="4060424863"/>
+      </p:ext>
+    </p:extLst>
+  </p:cSld>
+  <p:clrMapOvr>
+    <a:masterClrMapping/>
+  </p:clrMapOvr>
+</p:notes>
 </file>
 
 <file path=ppt/slideLayouts/slideLayout1.xml><?xml version="1.0" encoding="utf-8"?>
@@ -2694,7 +2778,7 @@
           <a:p>
             <a:r>
               <a:rPr lang="en-US" dirty="0"/>
-              <a:t>Automatic Pt Feeder</a:t>
+              <a:t>Automatic Pet Feeder</a:t>
             </a:r>
           </a:p>
         </p:txBody>
@@ -2837,7 +2921,6 @@
         <p:blipFill rotWithShape="1">
           <a:blip r:embed="rId3">
             <a:alphaModFix/>
-            <a:extLst/>
           </a:blip>
           <a:srcRect l="26001" r="24351"/>
           <a:stretch/>
@@ -3270,7 +3353,25 @@
           <a:bodyPr/>
           <a:lstStyle/>
           <a:p>
-            <a:endParaRPr lang="en-US"/>
+            <a:r>
+              <a:rPr lang="en-US" dirty="0"/>
+              <a:t>Use camera to detect and match pets to their profile if there are multiple pets in the house, adjust the food amount for each pet.</a:t>
+            </a:r>
+          </a:p>
+          <a:p>
+            <a:r>
+              <a:rPr lang="en-US" dirty="0"/>
+              <a:t>Based on the food leftover measurement each time, can give user suggestions on food portions adjustments to fit individual pet’s needs.</a:t>
+            </a:r>
+          </a:p>
+          <a:p>
+            <a:r>
+              <a:rPr lang="en-US" dirty="0"/>
+              <a:t>Based on the pets body metrics and dieting amount, learning on pets behavior and automatically enable slow feeding to avoid digestive upset or detect possible health problem.</a:t>
+            </a:r>
+          </a:p>
+          <a:p>
+            <a:endParaRPr lang="en-US" dirty="0"/>
           </a:p>
         </p:txBody>
       </p:sp>
@@ -3409,6 +3510,12 @@
             <a:r>
               <a:rPr lang="en-US" dirty="0"/>
               <a:t>Weight sensors</a:t>
+            </a:r>
+          </a:p>
+          <a:p>
+            <a:r>
+              <a:rPr lang="en-US" dirty="0"/>
+              <a:t>Camera</a:t>
             </a:r>
           </a:p>
           <a:p>
@@ -6985,7 +7092,7 @@
           <p:cNvPr id="10000001" name="Project Timeline">
             <a:extLst>
               <a:ext uri="64CB8EC3-856F-48D9-AA5E-1A5F36DFB29A">
-                <a16:creationId xmlns:a16="http://schemas.microsoft.com/office/drawing/2014/main" xmlns:p14="http://schemas.microsoft.com/office/powerpoint/2010/main" xmlns="" id="498F6079-231D-40E8-B3EB-A67AFE8A3060"/>
+                <a16:creationId xmlns="" xmlns:p14="http://schemas.microsoft.com/office/powerpoint/2010/main" xmlns:a16="http://schemas.microsoft.com/office/drawing/2014/main" id="498F6079-231D-40E8-B3EB-A67AFE8A3060"/>
               </a:ext>
             </a:extLst>
           </p:cNvPr>
@@ -7284,7 +7391,7 @@
     </p:custDataLst>
     <p:extLst>
       <p:ext uri="6af4c438-da13-47a7-a9a9-020eb043f155">
-        <p14:creationId xmlns:p14="http://schemas.microsoft.com/office/powerpoint/2010/main" xmlns:a16="http://schemas.microsoft.com/office/drawing/2014/main" xmlns="" val="2714797065"/>
+        <p14:creationId xmlns="" xmlns:a16="http://schemas.microsoft.com/office/drawing/2014/main" xmlns:p14="http://schemas.microsoft.com/office/powerpoint/2010/main" val="2714797065"/>
       </p:ext>
     </p:extLst>
   </p:cSld>

--- a/tex/proposal/slides/project_proposal.pptx
+++ b/tex/proposal/slides/project_proposal.pptx
@@ -3367,8 +3367,19 @@
           <a:p>
             <a:r>
               <a:rPr lang="en-US" dirty="0"/>
-              <a:t>Based on the pets body metrics and dieting amount, learning on pets behavior and automatically enable slow feeding to avoid digestive upset or detect possible health problem.</a:t>
-            </a:r>
+              <a:t>Based on the pets body metrics and dieting amount, learning on pets behavior and automatically enable slow feeding to avoid digestive upset or detect atypical pattern and possibly related </a:t>
+            </a:r>
+            <a:r>
+              <a:rPr lang="en-US"/>
+              <a:t>health issues</a:t>
+            </a:r>
+            <a:r>
+              <a:rPr lang="en-US" dirty="0"/>
+              <a:t>.</a:t>
+            </a:r>
+          </a:p>
+          <a:p>
+            <a:endParaRPr lang="en-US" dirty="0"/>
           </a:p>
           <a:p>
             <a:endParaRPr lang="en-US" dirty="0"/>
